--- a/Apresentações/Prévia_1_-_2_08_2016.pptx
+++ b/Apresentações/Prévia_1_-_2_08_2016.pptx
@@ -217,7 +217,7 @@
           <a:p>
             <a:fld id="{68CEB49E-8B06-47F4-BE18-701B71B4DDBC}" type="datetimeFigureOut">
               <a:rPr lang="en-US" smtClean="0"/>
-              <a:t>8/2/2016</a:t>
+              <a:t>8/3/2016</a:t>
             </a:fld>
             <a:endParaRPr lang="en-US"/>
           </a:p>
@@ -375,7 +375,7 @@
           <a:p>
             <a:fld id="{98D8C9D1-C91E-4A3A-9FBD-253EDB5AFF49}" type="slidenum">
               <a:rPr lang="en-US" smtClean="0"/>
-              <a:t>‹nº›</a:t>
+              <a:t>‹#›</a:t>
             </a:fld>
             <a:endParaRPr lang="en-US"/>
           </a:p>
@@ -963,7 +963,7 @@
           <a:p>
             <a:fld id="{A7D1C837-FF61-485D-885D-CDA0C211A325}" type="datetimeFigureOut">
               <a:rPr lang="en-US" smtClean="0"/>
-              <a:t>8/2/2016</a:t>
+              <a:t>8/3/2016</a:t>
             </a:fld>
             <a:endParaRPr lang="en-US"/>
           </a:p>
@@ -1005,7 +1005,7 @@
           <a:p>
             <a:fld id="{3D75E775-4E84-4514-9C78-D56CA28701FD}" type="slidenum">
               <a:rPr lang="en-US" smtClean="0"/>
-              <a:t>‹nº›</a:t>
+              <a:t>‹#›</a:t>
             </a:fld>
             <a:endParaRPr lang="en-US"/>
           </a:p>
@@ -1131,7 +1131,7 @@
           <a:p>
             <a:fld id="{A7D1C837-FF61-485D-885D-CDA0C211A325}" type="datetimeFigureOut">
               <a:rPr lang="en-US" smtClean="0"/>
-              <a:t>8/2/2016</a:t>
+              <a:t>8/3/2016</a:t>
             </a:fld>
             <a:endParaRPr lang="en-US"/>
           </a:p>
@@ -1173,7 +1173,7 @@
           <a:p>
             <a:fld id="{3D75E775-4E84-4514-9C78-D56CA28701FD}" type="slidenum">
               <a:rPr lang="en-US" smtClean="0"/>
-              <a:t>‹nº›</a:t>
+              <a:t>‹#›</a:t>
             </a:fld>
             <a:endParaRPr lang="en-US"/>
           </a:p>
@@ -1309,7 +1309,7 @@
           <a:p>
             <a:fld id="{A7D1C837-FF61-485D-885D-CDA0C211A325}" type="datetimeFigureOut">
               <a:rPr lang="en-US" smtClean="0"/>
-              <a:t>8/2/2016</a:t>
+              <a:t>8/3/2016</a:t>
             </a:fld>
             <a:endParaRPr lang="en-US"/>
           </a:p>
@@ -1351,7 +1351,7 @@
           <a:p>
             <a:fld id="{3D75E775-4E84-4514-9C78-D56CA28701FD}" type="slidenum">
               <a:rPr lang="en-US" smtClean="0"/>
-              <a:t>‹nº›</a:t>
+              <a:t>‹#›</a:t>
             </a:fld>
             <a:endParaRPr lang="en-US"/>
           </a:p>
@@ -1477,7 +1477,7 @@
           <a:p>
             <a:fld id="{A7D1C837-FF61-485D-885D-CDA0C211A325}" type="datetimeFigureOut">
               <a:rPr lang="en-US" smtClean="0"/>
-              <a:t>8/2/2016</a:t>
+              <a:t>8/3/2016</a:t>
             </a:fld>
             <a:endParaRPr lang="en-US"/>
           </a:p>
@@ -1519,7 +1519,7 @@
           <a:p>
             <a:fld id="{3D75E775-4E84-4514-9C78-D56CA28701FD}" type="slidenum">
               <a:rPr lang="en-US" smtClean="0"/>
-              <a:t>‹nº›</a:t>
+              <a:t>‹#›</a:t>
             </a:fld>
             <a:endParaRPr lang="en-US"/>
           </a:p>
@@ -1722,7 +1722,7 @@
           <a:p>
             <a:fld id="{A7D1C837-FF61-485D-885D-CDA0C211A325}" type="datetimeFigureOut">
               <a:rPr lang="en-US" smtClean="0"/>
-              <a:t>8/2/2016</a:t>
+              <a:t>8/3/2016</a:t>
             </a:fld>
             <a:endParaRPr lang="en-US"/>
           </a:p>
@@ -1764,7 +1764,7 @@
           <a:p>
             <a:fld id="{3D75E775-4E84-4514-9C78-D56CA28701FD}" type="slidenum">
               <a:rPr lang="en-US" smtClean="0"/>
-              <a:t>‹nº›</a:t>
+              <a:t>‹#›</a:t>
             </a:fld>
             <a:endParaRPr lang="en-US"/>
           </a:p>
@@ -1951,7 +1951,7 @@
           <a:p>
             <a:fld id="{A7D1C837-FF61-485D-885D-CDA0C211A325}" type="datetimeFigureOut">
               <a:rPr lang="en-US" smtClean="0"/>
-              <a:t>8/2/2016</a:t>
+              <a:t>8/3/2016</a:t>
             </a:fld>
             <a:endParaRPr lang="en-US"/>
           </a:p>
@@ -1993,7 +1993,7 @@
           <a:p>
             <a:fld id="{3D75E775-4E84-4514-9C78-D56CA28701FD}" type="slidenum">
               <a:rPr lang="en-US" smtClean="0"/>
-              <a:t>‹nº›</a:t>
+              <a:t>‹#›</a:t>
             </a:fld>
             <a:endParaRPr lang="en-US"/>
           </a:p>
@@ -2315,7 +2315,7 @@
           <a:p>
             <a:fld id="{A7D1C837-FF61-485D-885D-CDA0C211A325}" type="datetimeFigureOut">
               <a:rPr lang="en-US" smtClean="0"/>
-              <a:t>8/2/2016</a:t>
+              <a:t>8/3/2016</a:t>
             </a:fld>
             <a:endParaRPr lang="en-US"/>
           </a:p>
@@ -2357,7 +2357,7 @@
           <a:p>
             <a:fld id="{3D75E775-4E84-4514-9C78-D56CA28701FD}" type="slidenum">
               <a:rPr lang="en-US" smtClean="0"/>
-              <a:t>‹nº›</a:t>
+              <a:t>‹#›</a:t>
             </a:fld>
             <a:endParaRPr lang="en-US"/>
           </a:p>
@@ -2432,7 +2432,7 @@
           <a:p>
             <a:fld id="{A7D1C837-FF61-485D-885D-CDA0C211A325}" type="datetimeFigureOut">
               <a:rPr lang="en-US" smtClean="0"/>
-              <a:t>8/2/2016</a:t>
+              <a:t>8/3/2016</a:t>
             </a:fld>
             <a:endParaRPr lang="en-US"/>
           </a:p>
@@ -2474,7 +2474,7 @@
           <a:p>
             <a:fld id="{3D75E775-4E84-4514-9C78-D56CA28701FD}" type="slidenum">
               <a:rPr lang="en-US" smtClean="0"/>
-              <a:t>‹nº›</a:t>
+              <a:t>‹#›</a:t>
             </a:fld>
             <a:endParaRPr lang="en-US"/>
           </a:p>
@@ -2527,7 +2527,7 @@
           <a:p>
             <a:fld id="{A7D1C837-FF61-485D-885D-CDA0C211A325}" type="datetimeFigureOut">
               <a:rPr lang="en-US" smtClean="0"/>
-              <a:t>8/2/2016</a:t>
+              <a:t>8/3/2016</a:t>
             </a:fld>
             <a:endParaRPr lang="en-US"/>
           </a:p>
@@ -2569,7 +2569,7 @@
           <a:p>
             <a:fld id="{3D75E775-4E84-4514-9C78-D56CA28701FD}" type="slidenum">
               <a:rPr lang="en-US" smtClean="0"/>
-              <a:t>‹nº›</a:t>
+              <a:t>‹#›</a:t>
             </a:fld>
             <a:endParaRPr lang="en-US"/>
           </a:p>
@@ -2802,7 +2802,7 @@
           <a:p>
             <a:fld id="{A7D1C837-FF61-485D-885D-CDA0C211A325}" type="datetimeFigureOut">
               <a:rPr lang="en-US" smtClean="0"/>
-              <a:t>8/2/2016</a:t>
+              <a:t>8/3/2016</a:t>
             </a:fld>
             <a:endParaRPr lang="en-US"/>
           </a:p>
@@ -2844,7 +2844,7 @@
           <a:p>
             <a:fld id="{3D75E775-4E84-4514-9C78-D56CA28701FD}" type="slidenum">
               <a:rPr lang="en-US" smtClean="0"/>
-              <a:t>‹nº›</a:t>
+              <a:t>‹#›</a:t>
             </a:fld>
             <a:endParaRPr lang="en-US"/>
           </a:p>
@@ -3054,7 +3054,7 @@
           <a:p>
             <a:fld id="{A7D1C837-FF61-485D-885D-CDA0C211A325}" type="datetimeFigureOut">
               <a:rPr lang="en-US" smtClean="0"/>
-              <a:t>8/2/2016</a:t>
+              <a:t>8/3/2016</a:t>
             </a:fld>
             <a:endParaRPr lang="en-US"/>
           </a:p>
@@ -3096,7 +3096,7 @@
           <a:p>
             <a:fld id="{3D75E775-4E84-4514-9C78-D56CA28701FD}" type="slidenum">
               <a:rPr lang="en-US" smtClean="0"/>
-              <a:t>‹nº›</a:t>
+              <a:t>‹#›</a:t>
             </a:fld>
             <a:endParaRPr lang="en-US"/>
           </a:p>
@@ -3265,7 +3265,7 @@
           <a:p>
             <a:fld id="{A7D1C837-FF61-485D-885D-CDA0C211A325}" type="datetimeFigureOut">
               <a:rPr lang="en-US" smtClean="0"/>
-              <a:t>8/2/2016</a:t>
+              <a:t>8/3/2016</a:t>
             </a:fld>
             <a:endParaRPr lang="en-US"/>
           </a:p>
@@ -3343,7 +3343,7 @@
           <a:p>
             <a:fld id="{3D75E775-4E84-4514-9C78-D56CA28701FD}" type="slidenum">
               <a:rPr lang="en-US" smtClean="0"/>
-              <a:t>‹nº›</a:t>
+              <a:t>‹#›</a:t>
             </a:fld>
             <a:endParaRPr lang="en-US"/>
           </a:p>
@@ -3670,6 +3670,36 @@
           <a:chExt cx="0" cy="0"/>
         </a:xfrm>
       </p:grpSpPr>
+      <p:pic>
+        <p:nvPicPr>
+          <p:cNvPr id="2" name="Picture 1"/>
+          <p:cNvPicPr>
+            <a:picLocks noChangeAspect="1"/>
+          </p:cNvPicPr>
+          <p:nvPr/>
+        </p:nvPicPr>
+        <p:blipFill>
+          <a:blip r:embed="rId2" cstate="print">
+            <a:extLst>
+              <a:ext uri="{28A0092B-C50C-407E-A947-70E740481C1C}">
+                <a14:useLocalDpi xmlns:a14="http://schemas.microsoft.com/office/drawing/2010/main" val="0"/>
+              </a:ext>
+            </a:extLst>
+          </a:blip>
+          <a:stretch>
+            <a:fillRect/>
+          </a:stretch>
+        </p:blipFill>
+        <p:spPr>
+          <a:xfrm>
+            <a:off x="35063" y="1305236"/>
+            <a:ext cx="12121874" cy="4247529"/>
+          </a:xfrm>
+          <a:prstGeom prst="rect">
+            <a:avLst/>
+          </a:prstGeom>
+        </p:spPr>
+      </p:pic>
     </p:spTree>
     <p:extLst>
       <p:ext uri="{BB962C8B-B14F-4D97-AF65-F5344CB8AC3E}">
@@ -3957,8 +3987,8 @@
         </p:nvSpPr>
         <p:spPr>
           <a:xfrm>
-            <a:off x="194408" y="2988997"/>
-            <a:ext cx="1599636" cy="373102"/>
+            <a:off x="124695" y="3004499"/>
+            <a:ext cx="1277419" cy="373102"/>
           </a:xfrm>
         </p:spPr>
         <p:txBody>
@@ -3986,7 +4016,7 @@
         </p:nvSpPr>
         <p:spPr>
           <a:xfrm>
-            <a:off x="1734165" y="2944714"/>
+            <a:off x="1848776" y="2960218"/>
             <a:ext cx="1642104" cy="461665"/>
           </a:xfrm>
           <a:prstGeom prst="rect">
@@ -4015,8 +4045,8 @@
         </p:nvSpPr>
         <p:spPr>
           <a:xfrm>
-            <a:off x="3646587" y="2988997"/>
-            <a:ext cx="2437322" cy="461665"/>
+            <a:off x="3923687" y="2960218"/>
+            <a:ext cx="1651865" cy="461665"/>
           </a:xfrm>
           <a:prstGeom prst="rect">
             <a:avLst/>
@@ -4043,7 +4073,7 @@
         </p:nvSpPr>
         <p:spPr>
           <a:xfrm>
-            <a:off x="5481348" y="2760047"/>
+            <a:off x="6160336" y="2775552"/>
             <a:ext cx="2860169" cy="830997"/>
           </a:xfrm>
           <a:prstGeom prst="rect">
@@ -4085,7 +4115,7 @@
         </p:blipFill>
         <p:spPr>
           <a:xfrm>
-            <a:off x="217377" y="3984625"/>
+            <a:off x="217377" y="3867509"/>
             <a:ext cx="1226170" cy="1155547"/>
           </a:xfrm>
           <a:prstGeom prst="rect">
@@ -4115,7 +4145,7 @@
         </p:blipFill>
         <p:spPr>
           <a:xfrm>
-            <a:off x="5998057" y="3978537"/>
+            <a:off x="6714840" y="3975118"/>
             <a:ext cx="949551" cy="942594"/>
           </a:xfrm>
           <a:prstGeom prst="rect">
@@ -4131,7 +4161,7 @@
         </p:nvSpPr>
         <p:spPr>
           <a:xfrm>
-            <a:off x="4013939" y="3978537"/>
+            <a:off x="4265179" y="3969448"/>
             <a:ext cx="973476" cy="953934"/>
           </a:xfrm>
           <a:prstGeom prst="star5">
@@ -4209,7 +4239,7 @@
         </p:blipFill>
         <p:spPr>
           <a:xfrm>
-            <a:off x="1877020" y="3824288"/>
+            <a:off x="1991631" y="3788473"/>
             <a:ext cx="1356393" cy="1315884"/>
           </a:xfrm>
           <a:prstGeom prst="rect">
@@ -4239,7 +4269,7 @@
         </p:blipFill>
         <p:spPr>
           <a:xfrm>
-            <a:off x="8341517" y="3978537"/>
+            <a:off x="8830280" y="4019343"/>
             <a:ext cx="1006783" cy="854144"/>
           </a:xfrm>
           <a:prstGeom prst="rect">
@@ -4255,8 +4285,8 @@
         </p:nvSpPr>
         <p:spPr>
           <a:xfrm>
-            <a:off x="7672575" y="2876407"/>
-            <a:ext cx="2344666" cy="461665"/>
+            <a:off x="8161339" y="2775552"/>
+            <a:ext cx="2344666" cy="830997"/>
           </a:xfrm>
           <a:prstGeom prst="rect">
             <a:avLst/>
@@ -4268,9 +4298,21 @@
           </a:bodyPr>
           <a:lstStyle/>
           <a:p>
+            <a:pPr algn="ctr"/>
             <a:r>
               <a:rPr lang="pt-BR" sz="2400" dirty="0" smtClean="0"/>
-              <a:t>LEILÃO REVERSO</a:t>
+              <a:t>LEILÃO </a:t>
+            </a:r>
+            <a:r>
+              <a:rPr lang="pt-BR" sz="2400" dirty="0" smtClean="0"/>
+              <a:t/>
+            </a:r>
+            <a:br>
+              <a:rPr lang="pt-BR" sz="2400" dirty="0" smtClean="0"/>
+            </a:br>
+            <a:r>
+              <a:rPr lang="pt-BR" sz="2400" dirty="0" smtClean="0"/>
+              <a:t>REVERSO</a:t>
             </a:r>
             <a:endParaRPr lang="pt-BR" sz="2400" dirty="0"/>
           </a:p>
@@ -4292,7 +4334,7 @@
         </p:blipFill>
         <p:spPr>
           <a:xfrm>
-            <a:off x="10367455" y="3837779"/>
+            <a:off x="10785387" y="3874915"/>
             <a:ext cx="1171575" cy="1143000"/>
           </a:xfrm>
           <a:prstGeom prst="rect">
@@ -4308,8 +4350,8 @@
         </p:nvSpPr>
         <p:spPr>
           <a:xfrm>
-            <a:off x="10176278" y="2883739"/>
-            <a:ext cx="2344666" cy="461665"/>
+            <a:off x="10550351" y="2960218"/>
+            <a:ext cx="1641649" cy="461665"/>
           </a:xfrm>
           <a:prstGeom prst="rect">
             <a:avLst/>
@@ -4329,6 +4371,36 @@
           </a:p>
         </p:txBody>
       </p:sp>
+      <p:pic>
+        <p:nvPicPr>
+          <p:cNvPr id="25" name="Picture 24"/>
+          <p:cNvPicPr>
+            <a:picLocks noChangeAspect="1"/>
+          </p:cNvPicPr>
+          <p:nvPr/>
+        </p:nvPicPr>
+        <p:blipFill>
+          <a:blip r:embed="rId3">
+            <a:extLst>
+              <a:ext uri="{28A0092B-C50C-407E-A947-70E740481C1C}">
+                <a14:useLocalDpi xmlns:a14="http://schemas.microsoft.com/office/drawing/2010/main" val="0"/>
+              </a:ext>
+            </a:extLst>
+          </a:blip>
+          <a:stretch>
+            <a:fillRect/>
+          </a:stretch>
+        </p:blipFill>
+        <p:spPr>
+          <a:xfrm>
+            <a:off x="150319" y="3868642"/>
+            <a:ext cx="1226170" cy="1155547"/>
+          </a:xfrm>
+          <a:prstGeom prst="rect">
+            <a:avLst/>
+          </a:prstGeom>
+        </p:spPr>
+      </p:pic>
     </p:spTree>
     <p:extLst>
       <p:ext uri="{BB962C8B-B14F-4D97-AF65-F5344CB8AC3E}">
@@ -4724,15 +4796,7 @@
           <a:p>
             <a:r>
               <a:rPr lang="pt-BR" dirty="0" smtClean="0"/>
-              <a:t>- Entrar em contato com o </a:t>
-            </a:r>
-            <a:r>
-              <a:rPr lang="pt-BR" dirty="0" smtClean="0"/>
-              <a:t>D2VS</a:t>
-            </a:r>
-            <a:r>
-              <a:rPr lang="pt-BR" dirty="0" smtClean="0"/>
-              <a:t>;</a:t>
+              <a:t>- Entrar em contato com o D2VS;</a:t>
             </a:r>
             <a:endParaRPr lang="pt-BR" dirty="0"/>
           </a:p>
@@ -4865,15 +4929,7 @@
           <a:p>
             <a:r>
               <a:rPr lang="pt-BR" dirty="0" smtClean="0"/>
-              <a:t>- Incluir um relatório de </a:t>
-            </a:r>
-            <a:r>
-              <a:rPr lang="pt-BR" dirty="0" smtClean="0"/>
-              <a:t>comanda mensal</a:t>
-            </a:r>
-            <a:r>
-              <a:rPr lang="pt-BR" dirty="0" smtClean="0"/>
-              <a:t>;</a:t>
+              <a:t>- Incluir um relatório de comanda mensal;</a:t>
             </a:r>
           </a:p>
           <a:p>
